--- a/Presentation1.pptx
+++ b/Presentation1.pptx
@@ -290,7 +290,7 @@
           <a:p>
             <a:fld id="{48BCBA73-816B-4566-B703-07B58B98228C}" type="datetimeFigureOut">
               <a:rPr lang="en-GB" smtClean="0"/>
-              <a:t>10/04/2016</a:t>
+              <a:t>01/05/2016</a:t>
             </a:fld>
             <a:endParaRPr lang="en-GB"/>
           </a:p>
@@ -460,7 +460,7 @@
           <a:p>
             <a:fld id="{48BCBA73-816B-4566-B703-07B58B98228C}" type="datetimeFigureOut">
               <a:rPr lang="en-GB" smtClean="0"/>
-              <a:t>10/04/2016</a:t>
+              <a:t>01/05/2016</a:t>
             </a:fld>
             <a:endParaRPr lang="en-GB"/>
           </a:p>
@@ -640,7 +640,7 @@
           <a:p>
             <a:fld id="{48BCBA73-816B-4566-B703-07B58B98228C}" type="datetimeFigureOut">
               <a:rPr lang="en-GB" smtClean="0"/>
-              <a:t>10/04/2016</a:t>
+              <a:t>01/05/2016</a:t>
             </a:fld>
             <a:endParaRPr lang="en-GB"/>
           </a:p>
@@ -810,7 +810,7 @@
           <a:p>
             <a:fld id="{48BCBA73-816B-4566-B703-07B58B98228C}" type="datetimeFigureOut">
               <a:rPr lang="en-GB" smtClean="0"/>
-              <a:t>10/04/2016</a:t>
+              <a:t>01/05/2016</a:t>
             </a:fld>
             <a:endParaRPr lang="en-GB"/>
           </a:p>
@@ -1056,7 +1056,7 @@
           <a:p>
             <a:fld id="{48BCBA73-816B-4566-B703-07B58B98228C}" type="datetimeFigureOut">
               <a:rPr lang="en-GB" smtClean="0"/>
-              <a:t>10/04/2016</a:t>
+              <a:t>01/05/2016</a:t>
             </a:fld>
             <a:endParaRPr lang="en-GB"/>
           </a:p>
@@ -1344,7 +1344,7 @@
           <a:p>
             <a:fld id="{48BCBA73-816B-4566-B703-07B58B98228C}" type="datetimeFigureOut">
               <a:rPr lang="en-GB" smtClean="0"/>
-              <a:t>10/04/2016</a:t>
+              <a:t>01/05/2016</a:t>
             </a:fld>
             <a:endParaRPr lang="en-GB"/>
           </a:p>
@@ -1766,7 +1766,7 @@
           <a:p>
             <a:fld id="{48BCBA73-816B-4566-B703-07B58B98228C}" type="datetimeFigureOut">
               <a:rPr lang="en-GB" smtClean="0"/>
-              <a:t>10/04/2016</a:t>
+              <a:t>01/05/2016</a:t>
             </a:fld>
             <a:endParaRPr lang="en-GB"/>
           </a:p>
@@ -1884,7 +1884,7 @@
           <a:p>
             <a:fld id="{48BCBA73-816B-4566-B703-07B58B98228C}" type="datetimeFigureOut">
               <a:rPr lang="en-GB" smtClean="0"/>
-              <a:t>10/04/2016</a:t>
+              <a:t>01/05/2016</a:t>
             </a:fld>
             <a:endParaRPr lang="en-GB"/>
           </a:p>
@@ -1979,7 +1979,7 @@
           <a:p>
             <a:fld id="{48BCBA73-816B-4566-B703-07B58B98228C}" type="datetimeFigureOut">
               <a:rPr lang="en-GB" smtClean="0"/>
-              <a:t>10/04/2016</a:t>
+              <a:t>01/05/2016</a:t>
             </a:fld>
             <a:endParaRPr lang="en-GB"/>
           </a:p>
@@ -2256,7 +2256,7 @@
           <a:p>
             <a:fld id="{48BCBA73-816B-4566-B703-07B58B98228C}" type="datetimeFigureOut">
               <a:rPr lang="en-GB" smtClean="0"/>
-              <a:t>10/04/2016</a:t>
+              <a:t>01/05/2016</a:t>
             </a:fld>
             <a:endParaRPr lang="en-GB"/>
           </a:p>
@@ -2509,7 +2509,7 @@
           <a:p>
             <a:fld id="{48BCBA73-816B-4566-B703-07B58B98228C}" type="datetimeFigureOut">
               <a:rPr lang="en-GB" smtClean="0"/>
-              <a:t>10/04/2016</a:t>
+              <a:t>01/05/2016</a:t>
             </a:fld>
             <a:endParaRPr lang="en-GB"/>
           </a:p>
@@ -2722,7 +2722,7 @@
           <a:p>
             <a:fld id="{48BCBA73-816B-4566-B703-07B58B98228C}" type="datetimeFigureOut">
               <a:rPr lang="en-GB" smtClean="0"/>
-              <a:t>10/04/2016</a:t>
+              <a:t>01/05/2016</a:t>
             </a:fld>
             <a:endParaRPr lang="en-GB"/>
           </a:p>
@@ -3220,7 +3220,7 @@
         <p:spPr/>
         <p:txBody>
           <a:bodyPr>
-            <a:normAutofit fontScale="92500" lnSpcReduction="10000"/>
+            <a:normAutofit/>
           </a:bodyPr>
           <a:lstStyle/>
           <a:p>
@@ -3258,22 +3258,11 @@
             <a:pPr algn="r" rtl="1"/>
             <a:r>
               <a:rPr lang="he-IL" dirty="0" smtClean="0"/>
-              <a:t>בדף של ה</a:t>
-            </a:r>
-            <a:r>
-              <a:rPr lang="en-US" dirty="0" smtClean="0"/>
-              <a:t>processes</a:t>
+              <a:t>להקטין </a:t>
             </a:r>
             <a:r>
               <a:rPr lang="he-IL" dirty="0" smtClean="0"/>
-              <a:t> – לציין גם שם ולהפריד בפסיק בהודעה.</a:t>
-            </a:r>
-          </a:p>
-          <a:p>
-            <a:pPr algn="r" rtl="1"/>
-            <a:r>
-              <a:rPr lang="he-IL" dirty="0" smtClean="0"/>
-              <a:t>להקטין תא ראשון בטבלה</a:t>
+              <a:t>תא ראשון בטבלה</a:t>
             </a:r>
           </a:p>
           <a:p>
@@ -3286,53 +3275,8 @@
           <a:p>
             <a:pPr algn="r" rtl="1"/>
             <a:r>
-              <a:rPr lang="en-US" dirty="0" smtClean="0"/>
+              <a:rPr lang="en-US" smtClean="0"/>
               <a:t>Download</a:t>
-            </a:r>
-            <a:endParaRPr lang="he-IL" dirty="0" smtClean="0"/>
-          </a:p>
-          <a:p>
-            <a:pPr marL="0" indent="0" algn="r" rtl="1">
-              <a:buNone/>
-            </a:pPr>
-            <a:r>
-              <a:rPr lang="en-US" dirty="0" smtClean="0"/>
-              <a:t> </a:t>
-            </a:r>
-            <a:r>
-              <a:rPr lang="he-IL" dirty="0" smtClean="0"/>
-              <a:t>בדף של </a:t>
-            </a:r>
-            <a:r>
-              <a:rPr lang="en-US" dirty="0" smtClean="0"/>
-              <a:t>WOL</a:t>
-            </a:r>
-            <a:r>
-              <a:rPr lang="he-IL" dirty="0" smtClean="0"/>
-              <a:t> להציג רשימת מחשבים.</a:t>
-            </a:r>
-          </a:p>
-          <a:p>
-            <a:pPr algn="r" rtl="1"/>
-            <a:r>
-              <a:rPr lang="en-US" dirty="0" smtClean="0"/>
-              <a:t>WOL</a:t>
-            </a:r>
-            <a:r>
-              <a:rPr lang="he-IL" dirty="0" smtClean="0"/>
-              <a:t> ו - </a:t>
-            </a:r>
-            <a:r>
-              <a:rPr lang="en-US" dirty="0" smtClean="0"/>
-              <a:t>Shutdown</a:t>
-            </a:r>
-            <a:r>
-              <a:rPr lang="he-IL" dirty="0" smtClean="0"/>
-              <a:t> </a:t>
-            </a:r>
-            <a:r>
-              <a:rPr lang="he-IL" smtClean="0"/>
-              <a:t>לא עובד</a:t>
             </a:r>
             <a:endParaRPr lang="he-IL" dirty="0" smtClean="0"/>
           </a:p>

--- a/Presentation1.pptx
+++ b/Presentation1.pptx
@@ -290,7 +290,7 @@
           <a:p>
             <a:fld id="{48BCBA73-816B-4566-B703-07B58B98228C}" type="datetimeFigureOut">
               <a:rPr lang="en-GB" smtClean="0"/>
-              <a:t>01/05/2016</a:t>
+              <a:t>17/05/2016</a:t>
             </a:fld>
             <a:endParaRPr lang="en-GB"/>
           </a:p>
@@ -460,7 +460,7 @@
           <a:p>
             <a:fld id="{48BCBA73-816B-4566-B703-07B58B98228C}" type="datetimeFigureOut">
               <a:rPr lang="en-GB" smtClean="0"/>
-              <a:t>01/05/2016</a:t>
+              <a:t>17/05/2016</a:t>
             </a:fld>
             <a:endParaRPr lang="en-GB"/>
           </a:p>
@@ -640,7 +640,7 @@
           <a:p>
             <a:fld id="{48BCBA73-816B-4566-B703-07B58B98228C}" type="datetimeFigureOut">
               <a:rPr lang="en-GB" smtClean="0"/>
-              <a:t>01/05/2016</a:t>
+              <a:t>17/05/2016</a:t>
             </a:fld>
             <a:endParaRPr lang="en-GB"/>
           </a:p>
@@ -810,7 +810,7 @@
           <a:p>
             <a:fld id="{48BCBA73-816B-4566-B703-07B58B98228C}" type="datetimeFigureOut">
               <a:rPr lang="en-GB" smtClean="0"/>
-              <a:t>01/05/2016</a:t>
+              <a:t>17/05/2016</a:t>
             </a:fld>
             <a:endParaRPr lang="en-GB"/>
           </a:p>
@@ -1056,7 +1056,7 @@
           <a:p>
             <a:fld id="{48BCBA73-816B-4566-B703-07B58B98228C}" type="datetimeFigureOut">
               <a:rPr lang="en-GB" smtClean="0"/>
-              <a:t>01/05/2016</a:t>
+              <a:t>17/05/2016</a:t>
             </a:fld>
             <a:endParaRPr lang="en-GB"/>
           </a:p>
@@ -1344,7 +1344,7 @@
           <a:p>
             <a:fld id="{48BCBA73-816B-4566-B703-07B58B98228C}" type="datetimeFigureOut">
               <a:rPr lang="en-GB" smtClean="0"/>
-              <a:t>01/05/2016</a:t>
+              <a:t>17/05/2016</a:t>
             </a:fld>
             <a:endParaRPr lang="en-GB"/>
           </a:p>
@@ -1766,7 +1766,7 @@
           <a:p>
             <a:fld id="{48BCBA73-816B-4566-B703-07B58B98228C}" type="datetimeFigureOut">
               <a:rPr lang="en-GB" smtClean="0"/>
-              <a:t>01/05/2016</a:t>
+              <a:t>17/05/2016</a:t>
             </a:fld>
             <a:endParaRPr lang="en-GB"/>
           </a:p>
@@ -1884,7 +1884,7 @@
           <a:p>
             <a:fld id="{48BCBA73-816B-4566-B703-07B58B98228C}" type="datetimeFigureOut">
               <a:rPr lang="en-GB" smtClean="0"/>
-              <a:t>01/05/2016</a:t>
+              <a:t>17/05/2016</a:t>
             </a:fld>
             <a:endParaRPr lang="en-GB"/>
           </a:p>
@@ -1979,7 +1979,7 @@
           <a:p>
             <a:fld id="{48BCBA73-816B-4566-B703-07B58B98228C}" type="datetimeFigureOut">
               <a:rPr lang="en-GB" smtClean="0"/>
-              <a:t>01/05/2016</a:t>
+              <a:t>17/05/2016</a:t>
             </a:fld>
             <a:endParaRPr lang="en-GB"/>
           </a:p>
@@ -2256,7 +2256,7 @@
           <a:p>
             <a:fld id="{48BCBA73-816B-4566-B703-07B58B98228C}" type="datetimeFigureOut">
               <a:rPr lang="en-GB" smtClean="0"/>
-              <a:t>01/05/2016</a:t>
+              <a:t>17/05/2016</a:t>
             </a:fld>
             <a:endParaRPr lang="en-GB"/>
           </a:p>
@@ -2509,7 +2509,7 @@
           <a:p>
             <a:fld id="{48BCBA73-816B-4566-B703-07B58B98228C}" type="datetimeFigureOut">
               <a:rPr lang="en-GB" smtClean="0"/>
-              <a:t>01/05/2016</a:t>
+              <a:t>17/05/2016</a:t>
             </a:fld>
             <a:endParaRPr lang="en-GB"/>
           </a:p>
@@ -2722,7 +2722,7 @@
           <a:p>
             <a:fld id="{48BCBA73-816B-4566-B703-07B58B98228C}" type="datetimeFigureOut">
               <a:rPr lang="en-GB" smtClean="0"/>
-              <a:t>01/05/2016</a:t>
+              <a:t>17/05/2016</a:t>
             </a:fld>
             <a:endParaRPr lang="en-GB"/>
           </a:p>
@@ -3097,60 +3097,1221 @@
           <a:chExt cx="0" cy="0"/>
         </a:xfrm>
       </p:grpSpPr>
-      <p:pic>
-        <p:nvPicPr>
-          <p:cNvPr id="1026" name="Picture 2"/>
-          <p:cNvPicPr>
-            <a:picLocks noChangeAspect="1" noChangeArrowheads="1"/>
-          </p:cNvPicPr>
+      <p:grpSp>
+        <p:nvGrpSpPr>
+          <p:cNvPr id="25" name="Group 24"/>
+          <p:cNvGrpSpPr/>
           <p:nvPr/>
-        </p:nvPicPr>
-        <p:blipFill>
-          <a:blip r:embed="rId2">
-            <a:extLst>
-              <a:ext uri="{28A0092B-C50C-407E-A947-70E740481C1C}">
-                <a14:useLocalDpi xmlns:a14="http://schemas.microsoft.com/office/drawing/2010/main" val="0"/>
-              </a:ext>
-            </a:extLst>
-          </a:blip>
-          <a:srcRect/>
-          <a:stretch>
-            <a:fillRect/>
-          </a:stretch>
-        </p:blipFill>
-        <p:spPr bwMode="auto">
+        </p:nvGrpSpPr>
+        <p:grpSpPr>
           <a:xfrm>
-            <a:off x="723900" y="28575"/>
-            <a:ext cx="7696200" cy="6800850"/>
+            <a:off x="399724" y="578833"/>
+            <a:ext cx="8550463" cy="5067755"/>
+            <a:chOff x="0" y="0"/>
+            <a:chExt cx="6669405" cy="3952875"/>
           </a:xfrm>
-          <a:prstGeom prst="rect">
-            <a:avLst/>
-          </a:prstGeom>
-          <a:noFill/>
-          <a:ln>
-            <a:noFill/>
-          </a:ln>
-          <a:extLst>
-            <a:ext uri="{909E8E84-426E-40DD-AFC4-6F175D3DCCD1}">
-              <a14:hiddenFill xmlns:a14="http://schemas.microsoft.com/office/drawing/2010/main">
+        </p:grpSpPr>
+        <p:cxnSp>
+          <p:nvCxnSpPr>
+            <p:cNvPr id="26" name="Straight Connector 25"/>
+            <p:cNvCxnSpPr/>
+            <p:nvPr/>
+          </p:nvCxnSpPr>
+          <p:spPr>
+            <a:xfrm>
+              <a:off x="4895850" y="0"/>
+              <a:ext cx="38100" cy="3895725"/>
+            </a:xfrm>
+            <a:prstGeom prst="line">
+              <a:avLst/>
+            </a:prstGeom>
+          </p:spPr>
+          <p:style>
+            <a:lnRef idx="2">
+              <a:schemeClr val="dk1"/>
+            </a:lnRef>
+            <a:fillRef idx="0">
+              <a:schemeClr val="dk1"/>
+            </a:fillRef>
+            <a:effectRef idx="1">
+              <a:schemeClr val="dk1"/>
+            </a:effectRef>
+            <a:fontRef idx="minor">
+              <a:schemeClr val="tx1"/>
+            </a:fontRef>
+          </p:style>
+        </p:cxnSp>
+        <p:cxnSp>
+          <p:nvCxnSpPr>
+            <p:cNvPr id="27" name="Straight Connector 26"/>
+            <p:cNvCxnSpPr/>
+            <p:nvPr/>
+          </p:nvCxnSpPr>
+          <p:spPr>
+            <a:xfrm>
+              <a:off x="1485900" y="0"/>
+              <a:ext cx="9525" cy="3952875"/>
+            </a:xfrm>
+            <a:prstGeom prst="line">
+              <a:avLst/>
+            </a:prstGeom>
+          </p:spPr>
+          <p:style>
+            <a:lnRef idx="2">
+              <a:schemeClr val="dk1"/>
+            </a:lnRef>
+            <a:fillRef idx="0">
+              <a:schemeClr val="dk1"/>
+            </a:fillRef>
+            <a:effectRef idx="1">
+              <a:schemeClr val="dk1"/>
+            </a:effectRef>
+            <a:fontRef idx="minor">
+              <a:schemeClr val="tx1"/>
+            </a:fontRef>
+          </p:style>
+        </p:cxnSp>
+        <p:grpSp>
+          <p:nvGrpSpPr>
+            <p:cNvPr id="28" name="Group 27"/>
+            <p:cNvGrpSpPr/>
+            <p:nvPr/>
+          </p:nvGrpSpPr>
+          <p:grpSpPr>
+            <a:xfrm>
+              <a:off x="0" y="76200"/>
+              <a:ext cx="6669405" cy="3600450"/>
+              <a:chOff x="0" y="0"/>
+              <a:chExt cx="6669405" cy="3600450"/>
+            </a:xfrm>
+          </p:grpSpPr>
+          <p:cxnSp>
+            <p:nvCxnSpPr>
+              <p:cNvPr id="29" name="Straight Arrow Connector 28"/>
+              <p:cNvCxnSpPr/>
+              <p:nvPr/>
+            </p:nvCxnSpPr>
+            <p:spPr>
+              <a:xfrm>
+                <a:off x="1476375" y="0"/>
+                <a:ext cx="3400425" cy="342900"/>
+              </a:xfrm>
+              <a:prstGeom prst="straightConnector1">
+                <a:avLst/>
+              </a:prstGeom>
+              <a:ln>
+                <a:tailEnd type="arrow"/>
+              </a:ln>
+            </p:spPr>
+            <p:style>
+              <a:lnRef idx="2">
+                <a:schemeClr val="dk1"/>
+              </a:lnRef>
+              <a:fillRef idx="0">
+                <a:schemeClr val="dk1"/>
+              </a:fillRef>
+              <a:effectRef idx="1">
+                <a:schemeClr val="dk1"/>
+              </a:effectRef>
+              <a:fontRef idx="minor">
+                <a:schemeClr val="tx1"/>
+              </a:fontRef>
+            </p:style>
+          </p:cxnSp>
+          <p:cxnSp>
+            <p:nvCxnSpPr>
+              <p:cNvPr id="30" name="Straight Arrow Connector 29"/>
+              <p:cNvCxnSpPr/>
+              <p:nvPr/>
+            </p:nvCxnSpPr>
+            <p:spPr>
+              <a:xfrm flipH="1">
+                <a:off x="1476375" y="581025"/>
+                <a:ext cx="3438526" cy="514350"/>
+              </a:xfrm>
+              <a:prstGeom prst="straightConnector1">
+                <a:avLst/>
+              </a:prstGeom>
+              <a:ln>
+                <a:tailEnd type="arrow"/>
+              </a:ln>
+            </p:spPr>
+            <p:style>
+              <a:lnRef idx="2">
+                <a:schemeClr val="dk1"/>
+              </a:lnRef>
+              <a:fillRef idx="0">
+                <a:schemeClr val="dk1"/>
+              </a:fillRef>
+              <a:effectRef idx="1">
+                <a:schemeClr val="dk1"/>
+              </a:effectRef>
+              <a:fontRef idx="minor">
+                <a:schemeClr val="tx1"/>
+              </a:fontRef>
+            </p:style>
+          </p:cxnSp>
+          <p:cxnSp>
+            <p:nvCxnSpPr>
+              <p:cNvPr id="31" name="Straight Arrow Connector 30"/>
+              <p:cNvCxnSpPr/>
+              <p:nvPr/>
+            </p:nvCxnSpPr>
+            <p:spPr>
+              <a:xfrm>
+                <a:off x="1495425" y="1200150"/>
+                <a:ext cx="3438525" cy="514350"/>
+              </a:xfrm>
+              <a:prstGeom prst="straightConnector1">
+                <a:avLst/>
+              </a:prstGeom>
+              <a:ln>
+                <a:tailEnd type="arrow"/>
+              </a:ln>
+            </p:spPr>
+            <p:style>
+              <a:lnRef idx="2">
+                <a:schemeClr val="dk1"/>
+              </a:lnRef>
+              <a:fillRef idx="0">
+                <a:schemeClr val="dk1"/>
+              </a:fillRef>
+              <a:effectRef idx="1">
+                <a:schemeClr val="dk1"/>
+              </a:effectRef>
+              <a:fontRef idx="minor">
+                <a:schemeClr val="tx1"/>
+              </a:fontRef>
+            </p:style>
+          </p:cxnSp>
+          <p:cxnSp>
+            <p:nvCxnSpPr>
+              <p:cNvPr id="32" name="Straight Arrow Connector 31"/>
+              <p:cNvCxnSpPr/>
+              <p:nvPr/>
+            </p:nvCxnSpPr>
+            <p:spPr>
+              <a:xfrm flipH="1">
+                <a:off x="1476375" y="1838325"/>
+                <a:ext cx="3418840" cy="514350"/>
+              </a:xfrm>
+              <a:prstGeom prst="straightConnector1">
+                <a:avLst/>
+              </a:prstGeom>
+              <a:ln>
+                <a:tailEnd type="arrow"/>
+              </a:ln>
+            </p:spPr>
+            <p:style>
+              <a:lnRef idx="2">
+                <a:schemeClr val="dk1"/>
+              </a:lnRef>
+              <a:fillRef idx="0">
+                <a:schemeClr val="dk1"/>
+              </a:fillRef>
+              <a:effectRef idx="1">
+                <a:schemeClr val="dk1"/>
+              </a:effectRef>
+              <a:fontRef idx="minor">
+                <a:schemeClr val="tx1"/>
+              </a:fontRef>
+            </p:style>
+          </p:cxnSp>
+          <p:cxnSp>
+            <p:nvCxnSpPr>
+              <p:cNvPr id="33" name="Straight Arrow Connector 32"/>
+              <p:cNvCxnSpPr/>
+              <p:nvPr/>
+            </p:nvCxnSpPr>
+            <p:spPr>
+              <a:xfrm>
+                <a:off x="1514475" y="2676525"/>
+                <a:ext cx="3419475" cy="409575"/>
+              </a:xfrm>
+              <a:prstGeom prst="straightConnector1">
+                <a:avLst/>
+              </a:prstGeom>
+              <a:ln>
+                <a:tailEnd type="arrow"/>
+              </a:ln>
+            </p:spPr>
+            <p:style>
+              <a:lnRef idx="2">
+                <a:schemeClr val="dk1"/>
+              </a:lnRef>
+              <a:fillRef idx="0">
+                <a:schemeClr val="dk1"/>
+              </a:fillRef>
+              <a:effectRef idx="1">
+                <a:schemeClr val="dk1"/>
+              </a:effectRef>
+              <a:fontRef idx="minor">
+                <a:schemeClr val="tx1"/>
+              </a:fontRef>
+            </p:style>
+          </p:cxnSp>
+          <p:cxnSp>
+            <p:nvCxnSpPr>
+              <p:cNvPr id="34" name="Straight Arrow Connector 33"/>
+              <p:cNvCxnSpPr/>
+              <p:nvPr/>
+            </p:nvCxnSpPr>
+            <p:spPr>
+              <a:xfrm flipH="1">
+                <a:off x="1476375" y="3200400"/>
+                <a:ext cx="3419475" cy="400050"/>
+              </a:xfrm>
+              <a:prstGeom prst="straightConnector1">
+                <a:avLst/>
+              </a:prstGeom>
+              <a:ln>
+                <a:tailEnd type="arrow"/>
+              </a:ln>
+            </p:spPr>
+            <p:style>
+              <a:lnRef idx="2">
+                <a:schemeClr val="dk1"/>
+              </a:lnRef>
+              <a:fillRef idx="0">
+                <a:schemeClr val="dk1"/>
+              </a:fillRef>
+              <a:effectRef idx="1">
+                <a:schemeClr val="dk1"/>
+              </a:effectRef>
+              <a:fontRef idx="minor">
+                <a:schemeClr val="tx1"/>
+              </a:fontRef>
+            </p:style>
+          </p:cxnSp>
+          <p:sp>
+            <p:nvSpPr>
+              <p:cNvPr id="35" name="Text Box 51"/>
+              <p:cNvSpPr txBox="1"/>
+              <p:nvPr/>
+            </p:nvSpPr>
+            <p:spPr>
+              <a:xfrm>
+                <a:off x="2752725" y="66675"/>
+                <a:ext cx="1004570" cy="285750"/>
+              </a:xfrm>
+              <a:prstGeom prst="rect">
+                <a:avLst/>
+              </a:prstGeom>
+              <a:solidFill>
+                <a:schemeClr val="lt1"/>
+              </a:solidFill>
+              <a:ln w="6350">
                 <a:solidFill>
-                  <a:schemeClr val="accent1"/>
+                  <a:prstClr val="black"/>
                 </a:solidFill>
-              </a14:hiddenFill>
-            </a:ext>
-            <a:ext uri="{91240B29-F687-4F45-9708-019B960494DF}">
-              <a14:hiddenLine xmlns:a14="http://schemas.microsoft.com/office/drawing/2010/main" w="9525">
+              </a:ln>
+              <a:effectLst/>
+            </p:spPr>
+            <p:style>
+              <a:lnRef idx="0">
+                <a:schemeClr val="accent1"/>
+              </a:lnRef>
+              <a:fillRef idx="0">
+                <a:schemeClr val="accent1"/>
+              </a:fillRef>
+              <a:effectRef idx="0">
+                <a:schemeClr val="accent1"/>
+              </a:effectRef>
+              <a:fontRef idx="minor">
+                <a:schemeClr val="dk1"/>
+              </a:fontRef>
+            </p:style>
+            <p:txBody>
+              <a:bodyPr rot="0" spcFirstLastPara="0" vert="horz" wrap="none" lIns="91440" tIns="45720" rIns="91440" bIns="45720" numCol="1" spcCol="0" rtlCol="0" fromWordArt="0" anchor="t" anchorCtr="0" forceAA="0" compatLnSpc="1">
+                <a:prstTxWarp prst="textNoShape">
+                  <a:avLst/>
+                </a:prstTxWarp>
+                <a:noAutofit/>
+              </a:bodyPr>
+              <a:lstStyle/>
+              <a:p>
+                <a:pPr>
+                  <a:lnSpc>
+                    <a:spcPct val="115000"/>
+                  </a:lnSpc>
+                  <a:spcAft>
+                    <a:spcPts val="1000"/>
+                  </a:spcAft>
+                </a:pPr>
+                <a:r>
+                  <a:rPr lang="en-US" sz="1400">
+                    <a:effectLst/>
+                    <a:ea typeface="Calibri"/>
+                    <a:cs typeface="Arial"/>
+                  </a:rPr>
+                  <a:t>I am Server</a:t>
+                </a:r>
+                <a:endParaRPr lang="en-GB" sz="1100">
+                  <a:effectLst/>
+                  <a:ea typeface="Calibri"/>
+                  <a:cs typeface="Arial"/>
+                </a:endParaRPr>
+              </a:p>
+            </p:txBody>
+          </p:sp>
+          <p:sp>
+            <p:nvSpPr>
+              <p:cNvPr id="36" name="Text Box 52"/>
+              <p:cNvSpPr txBox="1"/>
+              <p:nvPr/>
+            </p:nvSpPr>
+            <p:spPr>
+              <a:xfrm>
+                <a:off x="2438400" y="695325"/>
+                <a:ext cx="1645920" cy="285750"/>
+              </a:xfrm>
+              <a:prstGeom prst="rect">
+                <a:avLst/>
+              </a:prstGeom>
+              <a:solidFill>
+                <a:schemeClr val="lt1"/>
+              </a:solidFill>
+              <a:ln w="6350">
                 <a:solidFill>
-                  <a:schemeClr val="tx1"/>
+                  <a:prstClr val="black"/>
                 </a:solidFill>
-                <a:miter lim="800000"/>
-                <a:headEnd/>
-                <a:tailEnd/>
-              </a14:hiddenLine>
-            </a:ext>
-          </a:extLst>
-        </p:spPr>
-      </p:pic>
+              </a:ln>
+              <a:effectLst/>
+            </p:spPr>
+            <p:style>
+              <a:lnRef idx="0">
+                <a:schemeClr val="accent1"/>
+              </a:lnRef>
+              <a:fillRef idx="0">
+                <a:schemeClr val="accent1"/>
+              </a:fillRef>
+              <a:effectRef idx="0">
+                <a:schemeClr val="accent1"/>
+              </a:effectRef>
+              <a:fontRef idx="minor">
+                <a:schemeClr val="dk1"/>
+              </a:fontRef>
+            </p:style>
+            <p:txBody>
+              <a:bodyPr rot="0" spcFirstLastPara="0" vert="horz" wrap="none" lIns="91440" tIns="45720" rIns="91440" bIns="45720" numCol="1" spcCol="0" rtlCol="0" fromWordArt="0" anchor="t" anchorCtr="0" forceAA="0" compatLnSpc="1">
+                <a:prstTxWarp prst="textNoShape">
+                  <a:avLst/>
+                </a:prstTxWarp>
+                <a:noAutofit/>
+              </a:bodyPr>
+              <a:lstStyle/>
+              <a:p>
+                <a:pPr>
+                  <a:lnSpc>
+                    <a:spcPct val="115000"/>
+                  </a:lnSpc>
+                  <a:spcAft>
+                    <a:spcPts val="1000"/>
+                  </a:spcAft>
+                </a:pPr>
+                <a:r>
+                  <a:rPr lang="en-US" sz="1400">
+                    <a:effectLst/>
+                    <a:ea typeface="Calibri"/>
+                    <a:cs typeface="Arial"/>
+                  </a:rPr>
+                  <a:t>Connection Request</a:t>
+                </a:r>
+                <a:endParaRPr lang="en-GB" sz="1100">
+                  <a:effectLst/>
+                  <a:ea typeface="Calibri"/>
+                  <a:cs typeface="Arial"/>
+                </a:endParaRPr>
+              </a:p>
+            </p:txBody>
+          </p:sp>
+          <p:sp>
+            <p:nvSpPr>
+              <p:cNvPr id="37" name="Text Box 53"/>
+              <p:cNvSpPr txBox="1"/>
+              <p:nvPr/>
+            </p:nvSpPr>
+            <p:spPr>
+              <a:xfrm>
+                <a:off x="2505075" y="1333500"/>
+                <a:ext cx="1247775" cy="285750"/>
+              </a:xfrm>
+              <a:prstGeom prst="rect">
+                <a:avLst/>
+              </a:prstGeom>
+              <a:solidFill>
+                <a:schemeClr val="lt1"/>
+              </a:solidFill>
+              <a:ln w="6350">
+                <a:solidFill>
+                  <a:prstClr val="black"/>
+                </a:solidFill>
+              </a:ln>
+              <a:effectLst/>
+            </p:spPr>
+            <p:style>
+              <a:lnRef idx="0">
+                <a:schemeClr val="accent1"/>
+              </a:lnRef>
+              <a:fillRef idx="0">
+                <a:schemeClr val="accent1"/>
+              </a:fillRef>
+              <a:effectRef idx="0">
+                <a:schemeClr val="accent1"/>
+              </a:effectRef>
+              <a:fontRef idx="minor">
+                <a:schemeClr val="dk1"/>
+              </a:fontRef>
+            </p:style>
+            <p:txBody>
+              <a:bodyPr rot="0" spcFirstLastPara="0" vert="horz" wrap="none" lIns="91440" tIns="45720" rIns="91440" bIns="45720" numCol="1" spcCol="0" rtlCol="0" fromWordArt="0" anchor="t" anchorCtr="0" forceAA="0" compatLnSpc="1">
+                <a:prstTxWarp prst="textNoShape">
+                  <a:avLst/>
+                </a:prstTxWarp>
+                <a:noAutofit/>
+              </a:bodyPr>
+              <a:lstStyle/>
+              <a:p>
+                <a:pPr>
+                  <a:lnSpc>
+                    <a:spcPct val="115000"/>
+                  </a:lnSpc>
+                  <a:spcAft>
+                    <a:spcPts val="1000"/>
+                  </a:spcAft>
+                </a:pPr>
+                <a:r>
+                  <a:rPr lang="en-US" sz="1400">
+                    <a:effectLst/>
+                    <a:ea typeface="Calibri"/>
+                    <a:cs typeface="Arial"/>
+                  </a:rPr>
+                  <a:t>Public RSA Key</a:t>
+                </a:r>
+                <a:endParaRPr lang="en-GB" sz="1100">
+                  <a:effectLst/>
+                  <a:ea typeface="Calibri"/>
+                  <a:cs typeface="Arial"/>
+                </a:endParaRPr>
+              </a:p>
+            </p:txBody>
+          </p:sp>
+          <p:sp>
+            <p:nvSpPr>
+              <p:cNvPr id="38" name="Text Box 54"/>
+              <p:cNvSpPr txBox="1"/>
+              <p:nvPr/>
+            </p:nvSpPr>
+            <p:spPr>
+              <a:xfrm>
+                <a:off x="1838325" y="1943100"/>
+                <a:ext cx="2520950" cy="285750"/>
+              </a:xfrm>
+              <a:prstGeom prst="rect">
+                <a:avLst/>
+              </a:prstGeom>
+              <a:solidFill>
+                <a:schemeClr val="lt1"/>
+              </a:solidFill>
+              <a:ln w="6350">
+                <a:solidFill>
+                  <a:prstClr val="black"/>
+                </a:solidFill>
+              </a:ln>
+              <a:effectLst/>
+            </p:spPr>
+            <p:style>
+              <a:lnRef idx="0">
+                <a:schemeClr val="accent1"/>
+              </a:lnRef>
+              <a:fillRef idx="0">
+                <a:schemeClr val="accent1"/>
+              </a:fillRef>
+              <a:effectRef idx="0">
+                <a:schemeClr val="accent1"/>
+              </a:effectRef>
+              <a:fontRef idx="minor">
+                <a:schemeClr val="dk1"/>
+              </a:fontRef>
+            </p:style>
+            <p:txBody>
+              <a:bodyPr rot="0" spcFirstLastPara="0" vert="horz" wrap="none" lIns="91440" tIns="45720" rIns="91440" bIns="45720" numCol="1" spcCol="0" rtlCol="0" fromWordArt="0" anchor="t" anchorCtr="0" forceAA="0" compatLnSpc="1">
+                <a:prstTxWarp prst="textNoShape">
+                  <a:avLst/>
+                </a:prstTxWarp>
+                <a:noAutofit/>
+              </a:bodyPr>
+              <a:lstStyle/>
+              <a:p>
+                <a:pPr>
+                  <a:lnSpc>
+                    <a:spcPct val="115000"/>
+                  </a:lnSpc>
+                  <a:spcAft>
+                    <a:spcPts val="1000"/>
+                  </a:spcAft>
+                </a:pPr>
+                <a:r>
+                  <a:rPr lang="en-US" sz="1400">
+                    <a:effectLst/>
+                    <a:ea typeface="Calibri"/>
+                    <a:cs typeface="Arial"/>
+                  </a:rPr>
+                  <a:t>RSA( AES Key ) + Hash( AES Key )</a:t>
+                </a:r>
+                <a:endParaRPr lang="en-GB" sz="1100">
+                  <a:effectLst/>
+                  <a:ea typeface="Calibri"/>
+                  <a:cs typeface="Arial"/>
+                </a:endParaRPr>
+              </a:p>
+            </p:txBody>
+          </p:sp>
+          <p:sp>
+            <p:nvSpPr>
+              <p:cNvPr id="39" name="Text Box 55"/>
+              <p:cNvSpPr txBox="1"/>
+              <p:nvPr/>
+            </p:nvSpPr>
+            <p:spPr>
+              <a:xfrm>
+                <a:off x="2438400" y="2686050"/>
+                <a:ext cx="1526540" cy="285750"/>
+              </a:xfrm>
+              <a:prstGeom prst="rect">
+                <a:avLst/>
+              </a:prstGeom>
+              <a:solidFill>
+                <a:schemeClr val="lt1"/>
+              </a:solidFill>
+              <a:ln w="6350">
+                <a:solidFill>
+                  <a:prstClr val="black"/>
+                </a:solidFill>
+              </a:ln>
+              <a:effectLst/>
+            </p:spPr>
+            <p:style>
+              <a:lnRef idx="0">
+                <a:schemeClr val="accent1"/>
+              </a:lnRef>
+              <a:fillRef idx="0">
+                <a:schemeClr val="accent1"/>
+              </a:fillRef>
+              <a:effectRef idx="0">
+                <a:schemeClr val="accent1"/>
+              </a:effectRef>
+              <a:fontRef idx="minor">
+                <a:schemeClr val="dk1"/>
+              </a:fontRef>
+            </p:style>
+            <p:txBody>
+              <a:bodyPr rot="0" spcFirstLastPara="0" vert="horz" wrap="none" lIns="91440" tIns="45720" rIns="91440" bIns="45720" numCol="1" spcCol="0" rtlCol="0" fromWordArt="0" anchor="t" anchorCtr="0" forceAA="0" compatLnSpc="1">
+                <a:prstTxWarp prst="textNoShape">
+                  <a:avLst/>
+                </a:prstTxWarp>
+                <a:noAutofit/>
+              </a:bodyPr>
+              <a:lstStyle/>
+              <a:p>
+                <a:pPr>
+                  <a:lnSpc>
+                    <a:spcPct val="115000"/>
+                  </a:lnSpc>
+                  <a:spcAft>
+                    <a:spcPts val="1000"/>
+                  </a:spcAft>
+                </a:pPr>
+                <a:r>
+                  <a:rPr lang="en-US" sz="1400">
+                    <a:effectLst/>
+                    <a:ea typeface="Calibri"/>
+                    <a:cs typeface="Arial"/>
+                  </a:rPr>
+                  <a:t>Terminate Process</a:t>
+                </a:r>
+                <a:endParaRPr lang="en-GB" sz="1100">
+                  <a:effectLst/>
+                  <a:ea typeface="Calibri"/>
+                  <a:cs typeface="Arial"/>
+                </a:endParaRPr>
+              </a:p>
+            </p:txBody>
+          </p:sp>
+          <p:sp>
+            <p:nvSpPr>
+              <p:cNvPr id="40" name="Text Box 56"/>
+              <p:cNvSpPr txBox="1"/>
+              <p:nvPr/>
+            </p:nvSpPr>
+            <p:spPr>
+              <a:xfrm>
+                <a:off x="3048000" y="3295650"/>
+                <a:ext cx="399415" cy="285750"/>
+              </a:xfrm>
+              <a:prstGeom prst="rect">
+                <a:avLst/>
+              </a:prstGeom>
+              <a:solidFill>
+                <a:schemeClr val="lt1"/>
+              </a:solidFill>
+              <a:ln w="6350">
+                <a:solidFill>
+                  <a:prstClr val="black"/>
+                </a:solidFill>
+              </a:ln>
+              <a:effectLst/>
+            </p:spPr>
+            <p:style>
+              <a:lnRef idx="0">
+                <a:schemeClr val="accent1"/>
+              </a:lnRef>
+              <a:fillRef idx="0">
+                <a:schemeClr val="accent1"/>
+              </a:fillRef>
+              <a:effectRef idx="0">
+                <a:schemeClr val="accent1"/>
+              </a:effectRef>
+              <a:fontRef idx="minor">
+                <a:schemeClr val="dk1"/>
+              </a:fontRef>
+            </p:style>
+            <p:txBody>
+              <a:bodyPr rot="0" spcFirstLastPara="0" vert="horz" wrap="none" lIns="91440" tIns="45720" rIns="91440" bIns="45720" numCol="1" spcCol="0" rtlCol="0" fromWordArt="0" anchor="t" anchorCtr="0" forceAA="0" compatLnSpc="1">
+                <a:prstTxWarp prst="textNoShape">
+                  <a:avLst/>
+                </a:prstTxWarp>
+                <a:noAutofit/>
+              </a:bodyPr>
+              <a:lstStyle/>
+              <a:p>
+                <a:pPr>
+                  <a:lnSpc>
+                    <a:spcPct val="115000"/>
+                  </a:lnSpc>
+                  <a:spcAft>
+                    <a:spcPts val="1000"/>
+                  </a:spcAft>
+                </a:pPr>
+                <a:r>
+                  <a:rPr lang="en-US" sz="1400">
+                    <a:effectLst/>
+                    <a:ea typeface="Calibri"/>
+                    <a:cs typeface="Arial"/>
+                  </a:rPr>
+                  <a:t>OK</a:t>
+                </a:r>
+                <a:endParaRPr lang="en-GB" sz="1100">
+                  <a:effectLst/>
+                  <a:ea typeface="Calibri"/>
+                  <a:cs typeface="Arial"/>
+                </a:endParaRPr>
+              </a:p>
+            </p:txBody>
+          </p:sp>
+          <p:cxnSp>
+            <p:nvCxnSpPr>
+              <p:cNvPr id="41" name="Straight Connector 40"/>
+              <p:cNvCxnSpPr/>
+              <p:nvPr/>
+            </p:nvCxnSpPr>
+            <p:spPr>
+              <a:xfrm>
+                <a:off x="581025" y="409575"/>
+                <a:ext cx="5067300" cy="38100"/>
+              </a:xfrm>
+              <a:prstGeom prst="line">
+                <a:avLst/>
+              </a:prstGeom>
+            </p:spPr>
+            <p:style>
+              <a:lnRef idx="1">
+                <a:schemeClr val="dk1"/>
+              </a:lnRef>
+              <a:fillRef idx="0">
+                <a:schemeClr val="dk1"/>
+              </a:fillRef>
+              <a:effectRef idx="0">
+                <a:schemeClr val="dk1"/>
+              </a:effectRef>
+              <a:fontRef idx="minor">
+                <a:schemeClr val="tx1"/>
+              </a:fontRef>
+            </p:style>
+          </p:cxnSp>
+          <p:cxnSp>
+            <p:nvCxnSpPr>
+              <p:cNvPr id="42" name="Straight Connector 41"/>
+              <p:cNvCxnSpPr/>
+              <p:nvPr/>
+            </p:nvCxnSpPr>
+            <p:spPr>
+              <a:xfrm>
+                <a:off x="581025" y="2505075"/>
+                <a:ext cx="5067300" cy="38100"/>
+              </a:xfrm>
+              <a:prstGeom prst="line">
+                <a:avLst/>
+              </a:prstGeom>
+            </p:spPr>
+            <p:style>
+              <a:lnRef idx="1">
+                <a:schemeClr val="dk1"/>
+              </a:lnRef>
+              <a:fillRef idx="0">
+                <a:schemeClr val="dk1"/>
+              </a:fillRef>
+              <a:effectRef idx="0">
+                <a:schemeClr val="dk1"/>
+              </a:effectRef>
+              <a:fontRef idx="minor">
+                <a:schemeClr val="tx1"/>
+              </a:fontRef>
+            </p:style>
+          </p:cxnSp>
+          <p:sp>
+            <p:nvSpPr>
+              <p:cNvPr id="43" name="Text Box 59"/>
+              <p:cNvSpPr txBox="1"/>
+              <p:nvPr/>
+            </p:nvSpPr>
+            <p:spPr>
+              <a:xfrm>
+                <a:off x="5286375" y="47625"/>
+                <a:ext cx="1261745" cy="285750"/>
+              </a:xfrm>
+              <a:prstGeom prst="rect">
+                <a:avLst/>
+              </a:prstGeom>
+              <a:solidFill>
+                <a:schemeClr val="lt1"/>
+              </a:solidFill>
+              <a:ln w="6350">
+                <a:solidFill>
+                  <a:prstClr val="black"/>
+                </a:solidFill>
+              </a:ln>
+              <a:effectLst/>
+            </p:spPr>
+            <p:style>
+              <a:lnRef idx="0">
+                <a:schemeClr val="accent1"/>
+              </a:lnRef>
+              <a:fillRef idx="0">
+                <a:schemeClr val="accent1"/>
+              </a:fillRef>
+              <a:effectRef idx="0">
+                <a:schemeClr val="accent1"/>
+              </a:effectRef>
+              <a:fontRef idx="minor">
+                <a:schemeClr val="dk1"/>
+              </a:fontRef>
+            </p:style>
+            <p:txBody>
+              <a:bodyPr rot="0" spcFirstLastPara="0" vert="horz" wrap="none" lIns="91440" tIns="45720" rIns="91440" bIns="45720" numCol="1" spcCol="0" rtlCol="0" fromWordArt="0" anchor="t" anchorCtr="0" forceAA="0" compatLnSpc="1">
+                <a:prstTxWarp prst="textNoShape">
+                  <a:avLst/>
+                </a:prstTxWarp>
+                <a:noAutofit/>
+              </a:bodyPr>
+              <a:lstStyle/>
+              <a:p>
+                <a:pPr algn="r" rtl="1">
+                  <a:lnSpc>
+                    <a:spcPct val="115000"/>
+                  </a:lnSpc>
+                  <a:spcAft>
+                    <a:spcPts val="1000"/>
+                  </a:spcAft>
+                </a:pPr>
+                <a:r>
+                  <a:rPr lang="he-IL" sz="1400">
+                    <a:effectLst/>
+                    <a:ea typeface="Calibri"/>
+                    <a:cs typeface="Arial"/>
+                  </a:rPr>
+                  <a:t>שלב </a:t>
+                </a:r>
+                <a:r>
+                  <a:rPr lang="en-US" sz="1400">
+                    <a:effectLst/>
+                    <a:ea typeface="Calibri"/>
+                    <a:cs typeface="Arial"/>
+                  </a:rPr>
+                  <a:t>Broadcast</a:t>
+                </a:r>
+                <a:endParaRPr lang="en-GB" sz="1100">
+                  <a:effectLst/>
+                  <a:ea typeface="Calibri"/>
+                  <a:cs typeface="Arial"/>
+                </a:endParaRPr>
+              </a:p>
+            </p:txBody>
+          </p:sp>
+          <p:sp>
+            <p:nvSpPr>
+              <p:cNvPr id="44" name="Text Box 60"/>
+              <p:cNvSpPr txBox="1"/>
+              <p:nvPr/>
+            </p:nvSpPr>
+            <p:spPr>
+              <a:xfrm>
+                <a:off x="5143500" y="581025"/>
+                <a:ext cx="1525905" cy="285750"/>
+              </a:xfrm>
+              <a:prstGeom prst="rect">
+                <a:avLst/>
+              </a:prstGeom>
+              <a:solidFill>
+                <a:schemeClr val="lt1"/>
+              </a:solidFill>
+              <a:ln w="6350">
+                <a:solidFill>
+                  <a:prstClr val="black"/>
+                </a:solidFill>
+              </a:ln>
+              <a:effectLst/>
+            </p:spPr>
+            <p:style>
+              <a:lnRef idx="0">
+                <a:schemeClr val="accent1"/>
+              </a:lnRef>
+              <a:fillRef idx="0">
+                <a:schemeClr val="accent1"/>
+              </a:fillRef>
+              <a:effectRef idx="0">
+                <a:schemeClr val="accent1"/>
+              </a:effectRef>
+              <a:fontRef idx="minor">
+                <a:schemeClr val="dk1"/>
+              </a:fontRef>
+            </p:style>
+            <p:txBody>
+              <a:bodyPr rot="0" spcFirstLastPara="0" vert="horz" wrap="none" lIns="91440" tIns="45720" rIns="91440" bIns="45720" numCol="1" spcCol="0" rtlCol="0" fromWordArt="0" anchor="t" anchorCtr="0" forceAA="0" compatLnSpc="1">
+                <a:prstTxWarp prst="textNoShape">
+                  <a:avLst/>
+                </a:prstTxWarp>
+                <a:noAutofit/>
+              </a:bodyPr>
+              <a:lstStyle/>
+              <a:p>
+                <a:pPr algn="r" rtl="1">
+                  <a:lnSpc>
+                    <a:spcPct val="115000"/>
+                  </a:lnSpc>
+                  <a:spcAft>
+                    <a:spcPts val="1000"/>
+                  </a:spcAft>
+                </a:pPr>
+                <a:r>
+                  <a:rPr lang="he-IL" sz="1400">
+                    <a:effectLst/>
+                    <a:ea typeface="Calibri"/>
+                    <a:cs typeface="Arial"/>
+                  </a:rPr>
+                  <a:t>שלב </a:t>
+                </a:r>
+                <a:r>
+                  <a:rPr lang="en-US" sz="1400">
+                    <a:effectLst/>
+                    <a:ea typeface="Calibri"/>
+                    <a:cs typeface="Arial"/>
+                  </a:rPr>
+                  <a:t>Key Exchange</a:t>
+                </a:r>
+                <a:endParaRPr lang="en-GB" sz="1100">
+                  <a:effectLst/>
+                  <a:ea typeface="Calibri"/>
+                  <a:cs typeface="Arial"/>
+                </a:endParaRPr>
+              </a:p>
+            </p:txBody>
+          </p:sp>
+          <p:sp>
+            <p:nvSpPr>
+              <p:cNvPr id="45" name="Text Box 61"/>
+              <p:cNvSpPr txBox="1"/>
+              <p:nvPr/>
+            </p:nvSpPr>
+            <p:spPr>
+              <a:xfrm>
+                <a:off x="4857750" y="2686050"/>
+                <a:ext cx="1808480" cy="285750"/>
+              </a:xfrm>
+              <a:prstGeom prst="rect">
+                <a:avLst/>
+              </a:prstGeom>
+              <a:solidFill>
+                <a:schemeClr val="lt1"/>
+              </a:solidFill>
+              <a:ln w="6350">
+                <a:solidFill>
+                  <a:prstClr val="black"/>
+                </a:solidFill>
+              </a:ln>
+              <a:effectLst/>
+            </p:spPr>
+            <p:style>
+              <a:lnRef idx="0">
+                <a:schemeClr val="accent1"/>
+              </a:lnRef>
+              <a:fillRef idx="0">
+                <a:schemeClr val="accent1"/>
+              </a:fillRef>
+              <a:effectRef idx="0">
+                <a:schemeClr val="accent1"/>
+              </a:effectRef>
+              <a:fontRef idx="minor">
+                <a:schemeClr val="dk1"/>
+              </a:fontRef>
+            </p:style>
+            <p:txBody>
+              <a:bodyPr rot="0" spcFirstLastPara="0" vert="horz" wrap="none" lIns="91440" tIns="45720" rIns="91440" bIns="45720" numCol="1" spcCol="0" rtlCol="0" fromWordArt="0" anchor="t" anchorCtr="0" forceAA="0" compatLnSpc="1">
+                <a:prstTxWarp prst="textNoShape">
+                  <a:avLst/>
+                </a:prstTxWarp>
+                <a:noAutofit/>
+              </a:bodyPr>
+              <a:lstStyle/>
+              <a:p>
+                <a:pPr algn="r" rtl="1">
+                  <a:lnSpc>
+                    <a:spcPct val="115000"/>
+                  </a:lnSpc>
+                  <a:spcAft>
+                    <a:spcPts val="1000"/>
+                  </a:spcAft>
+                </a:pPr>
+                <a:r>
+                  <a:rPr lang="he-IL" sz="1400">
+                    <a:effectLst/>
+                    <a:ea typeface="Calibri"/>
+                    <a:cs typeface="Arial"/>
+                  </a:rPr>
+                  <a:t>תקשורת בין שרת ולקוח</a:t>
+                </a:r>
+                <a:endParaRPr lang="en-GB" sz="1100">
+                  <a:effectLst/>
+                  <a:ea typeface="Calibri"/>
+                  <a:cs typeface="Arial"/>
+                </a:endParaRPr>
+              </a:p>
+            </p:txBody>
+          </p:sp>
+          <p:pic>
+            <p:nvPicPr>
+              <p:cNvPr id="46" name="Picture 45"/>
+              <p:cNvPicPr>
+                <a:picLocks noChangeAspect="1"/>
+              </p:cNvPicPr>
+              <p:nvPr/>
+            </p:nvPicPr>
+            <p:blipFill>
+              <a:blip r:embed="rId2">
+                <a:extLst>
+                  <a:ext uri="{28A0092B-C50C-407E-A947-70E740481C1C}">
+                    <a14:useLocalDpi xmlns:a14="http://schemas.microsoft.com/office/drawing/2010/main" val="0"/>
+                  </a:ext>
+                </a:extLst>
+              </a:blip>
+              <a:srcRect/>
+              <a:stretch>
+                <a:fillRect/>
+              </a:stretch>
+            </p:blipFill>
+            <p:spPr bwMode="auto">
+              <a:xfrm>
+                <a:off x="5467350" y="1085850"/>
+                <a:ext cx="1143000" cy="1143000"/>
+              </a:xfrm>
+              <a:prstGeom prst="rect">
+                <a:avLst/>
+              </a:prstGeom>
+              <a:noFill/>
+              <a:ln>
+                <a:noFill/>
+              </a:ln>
+            </p:spPr>
+          </p:pic>
+          <p:pic>
+            <p:nvPicPr>
+              <p:cNvPr id="47" name="Picture 46"/>
+              <p:cNvPicPr>
+                <a:picLocks noChangeAspect="1"/>
+              </p:cNvPicPr>
+              <p:nvPr/>
+            </p:nvPicPr>
+            <p:blipFill>
+              <a:blip r:embed="rId3">
+                <a:extLst>
+                  <a:ext uri="{28A0092B-C50C-407E-A947-70E740481C1C}">
+                    <a14:useLocalDpi xmlns:a14="http://schemas.microsoft.com/office/drawing/2010/main" val="0"/>
+                  </a:ext>
+                </a:extLst>
+              </a:blip>
+              <a:srcRect/>
+              <a:stretch>
+                <a:fillRect/>
+              </a:stretch>
+            </p:blipFill>
+            <p:spPr bwMode="auto">
+              <a:xfrm>
+                <a:off x="0" y="866775"/>
+                <a:ext cx="1266825" cy="1276350"/>
+              </a:xfrm>
+              <a:prstGeom prst="rect">
+                <a:avLst/>
+              </a:prstGeom>
+              <a:noFill/>
+              <a:ln>
+                <a:noFill/>
+              </a:ln>
+            </p:spPr>
+          </p:pic>
+          <p:sp>
+            <p:nvSpPr>
+              <p:cNvPr id="48" name="Text Box 65"/>
+              <p:cNvSpPr txBox="1"/>
+              <p:nvPr/>
+            </p:nvSpPr>
+            <p:spPr>
+              <a:xfrm>
+                <a:off x="5753100" y="2066925"/>
+                <a:ext cx="520065" cy="285750"/>
+              </a:xfrm>
+              <a:prstGeom prst="rect">
+                <a:avLst/>
+              </a:prstGeom>
+              <a:solidFill>
+                <a:schemeClr val="lt1"/>
+              </a:solidFill>
+              <a:ln w="6350">
+                <a:solidFill>
+                  <a:prstClr val="black"/>
+                </a:solidFill>
+              </a:ln>
+              <a:effectLst/>
+            </p:spPr>
+            <p:style>
+              <a:lnRef idx="0">
+                <a:schemeClr val="accent1"/>
+              </a:lnRef>
+              <a:fillRef idx="0">
+                <a:schemeClr val="accent1"/>
+              </a:fillRef>
+              <a:effectRef idx="0">
+                <a:schemeClr val="accent1"/>
+              </a:effectRef>
+              <a:fontRef idx="minor">
+                <a:schemeClr val="dk1"/>
+              </a:fontRef>
+            </p:style>
+            <p:txBody>
+              <a:bodyPr rot="0" spcFirstLastPara="0" vert="horz" wrap="none" lIns="91440" tIns="45720" rIns="91440" bIns="45720" numCol="1" spcCol="0" rtlCol="0" fromWordArt="0" anchor="t" anchorCtr="0" forceAA="0" compatLnSpc="1">
+                <a:prstTxWarp prst="textNoShape">
+                  <a:avLst/>
+                </a:prstTxWarp>
+                <a:noAutofit/>
+              </a:bodyPr>
+              <a:lstStyle/>
+              <a:p>
+                <a:pPr algn="r" rtl="1">
+                  <a:lnSpc>
+                    <a:spcPct val="115000"/>
+                  </a:lnSpc>
+                  <a:spcAft>
+                    <a:spcPts val="1000"/>
+                  </a:spcAft>
+                </a:pPr>
+                <a:r>
+                  <a:rPr lang="he-IL" sz="1400">
+                    <a:effectLst/>
+                    <a:ea typeface="Calibri"/>
+                    <a:cs typeface="Arial"/>
+                  </a:rPr>
+                  <a:t>לקוח</a:t>
+                </a:r>
+                <a:endParaRPr lang="en-GB" sz="1100">
+                  <a:effectLst/>
+                  <a:ea typeface="Calibri"/>
+                  <a:cs typeface="Arial"/>
+                </a:endParaRPr>
+              </a:p>
+            </p:txBody>
+          </p:sp>
+          <p:sp>
+            <p:nvSpPr>
+              <p:cNvPr id="49" name="Text Box 66"/>
+              <p:cNvSpPr txBox="1"/>
+              <p:nvPr/>
+            </p:nvSpPr>
+            <p:spPr>
+              <a:xfrm>
+                <a:off x="152400" y="1828800"/>
+                <a:ext cx="517525" cy="285750"/>
+              </a:xfrm>
+              <a:prstGeom prst="rect">
+                <a:avLst/>
+              </a:prstGeom>
+              <a:solidFill>
+                <a:schemeClr val="lt1"/>
+              </a:solidFill>
+              <a:ln w="6350">
+                <a:solidFill>
+                  <a:prstClr val="black"/>
+                </a:solidFill>
+              </a:ln>
+              <a:effectLst/>
+            </p:spPr>
+            <p:style>
+              <a:lnRef idx="0">
+                <a:schemeClr val="accent1"/>
+              </a:lnRef>
+              <a:fillRef idx="0">
+                <a:schemeClr val="accent1"/>
+              </a:fillRef>
+              <a:effectRef idx="0">
+                <a:schemeClr val="accent1"/>
+              </a:effectRef>
+              <a:fontRef idx="minor">
+                <a:schemeClr val="dk1"/>
+              </a:fontRef>
+            </p:style>
+            <p:txBody>
+              <a:bodyPr rot="0" spcFirstLastPara="0" vert="horz" wrap="none" lIns="91440" tIns="45720" rIns="91440" bIns="45720" numCol="1" spcCol="0" rtlCol="0" fromWordArt="0" anchor="t" anchorCtr="0" forceAA="0" compatLnSpc="1">
+                <a:prstTxWarp prst="textNoShape">
+                  <a:avLst/>
+                </a:prstTxWarp>
+                <a:noAutofit/>
+              </a:bodyPr>
+              <a:lstStyle/>
+              <a:p>
+                <a:pPr algn="r" rtl="1">
+                  <a:lnSpc>
+                    <a:spcPct val="115000"/>
+                  </a:lnSpc>
+                  <a:spcAft>
+                    <a:spcPts val="1000"/>
+                  </a:spcAft>
+                </a:pPr>
+                <a:r>
+                  <a:rPr lang="he-IL" sz="1400">
+                    <a:effectLst/>
+                    <a:ea typeface="Calibri"/>
+                    <a:cs typeface="Arial"/>
+                  </a:rPr>
+                  <a:t>שרת</a:t>
+                </a:r>
+                <a:endParaRPr lang="en-GB" sz="1100">
+                  <a:effectLst/>
+                  <a:ea typeface="Calibri"/>
+                  <a:cs typeface="Arial"/>
+                </a:endParaRPr>
+              </a:p>
+            </p:txBody>
+          </p:sp>
+        </p:grpSp>
+      </p:grpSp>
     </p:spTree>
     <p:extLst>
       <p:ext uri="{BB962C8B-B14F-4D97-AF65-F5344CB8AC3E}">
@@ -3258,11 +4419,7 @@
             <a:pPr algn="r" rtl="1"/>
             <a:r>
               <a:rPr lang="he-IL" dirty="0" smtClean="0"/>
-              <a:t>להקטין </a:t>
-            </a:r>
-            <a:r>
-              <a:rPr lang="he-IL" dirty="0" smtClean="0"/>
-              <a:t>תא ראשון בטבלה</a:t>
+              <a:t>להקטין תא ראשון בטבלה</a:t>
             </a:r>
           </a:p>
           <a:p>
